--- a/first_check.pptx
+++ b/first_check.pptx
@@ -6084,7 +6084,15 @@
             </a:pPr>
             <a:r>
               <a:rPr lang="fr"/>
-              <a:t>to be a web developer , you must to have at least the basic coding skills in the front-end (js , html , css….) and also a server language like (php , nodeJs ...) to do the back-end part</a:t>
+              <a:t>to be a web developer , you must to have at least the basic coding skills in the front-end (js , html , css….) and also a server language like (php , nodeJs ...) to do the back-end part with of course the </a:t>
+            </a:r>
+            <a:r>
+              <a:rPr lang="fr"/>
+              <a:t>knowledge of  sql like (mysql) database or nosql (mongodb) </a:t>
+            </a:r>
+            <a:r>
+              <a:rPr lang="fr"/>
+              <a:t> </a:t>
             </a:r>
             <a:endParaRPr/>
           </a:p>
